--- a/portfolio_ppt.pptx
+++ b/portfolio_ppt.pptx
@@ -6263,7 +6263,7 @@
           <a:p>
             <a:fld id="{5A6B64A6-5383-4553-9650-AE943B3D4590}" type="datetimeFigureOut">
               <a:rPr lang="en-GB" smtClean="0"/>
-              <a:t>23/09/2018</a:t>
+              <a:t>24/09/2018</a:t>
             </a:fld>
             <a:endParaRPr lang="en-GB" dirty="0"/>
           </a:p>
@@ -6440,7 +6440,7 @@
           <a:p>
             <a:fld id="{639E0DF2-F06A-4107-A20D-CF99C15F57D9}" type="datetimeFigureOut">
               <a:rPr lang="en-GB" smtClean="0"/>
-              <a:t>23/09/2018</a:t>
+              <a:t>24/09/2018</a:t>
             </a:fld>
             <a:endParaRPr lang="en-GB" dirty="0"/>
           </a:p>
@@ -27883,7 +27883,7 @@
             </a:pPr>
             <a:r>
               <a:rPr lang="en-AU" sz="1600" dirty="0"/>
-              <a:t>Make it responsive across different   devices.</a:t>
+              <a:t>Make it responsive across different  devices.</a:t>
             </a:r>
           </a:p>
           <a:p>
@@ -28408,7 +28408,7 @@
           <p:nvPr>
             <p:extLst>
               <p:ext uri="{D42A27DB-BD31-4B8C-83A1-F6EECF244321}">
-                <p14:modId xmlns:p14="http://schemas.microsoft.com/office/powerpoint/2010/main" val="1604698757"/>
+                <p14:modId xmlns:p14="http://schemas.microsoft.com/office/powerpoint/2010/main" val="2665643455"/>
               </p:ext>
             </p:extLst>
           </p:nvPr>
@@ -28455,7 +28455,7 @@
                       <a:pPr algn="ctr"/>
                       <a:r>
                         <a:rPr lang="en-US" sz="1400" dirty="0"/>
-                        <a:t>Indexlay.html</a:t>
+                        <a:t>Index.html</a:t>
                       </a:r>
                       <a:endParaRPr lang="en-GB" sz="1400" dirty="0">
                         <a:latin typeface="+mj-lt"/>
@@ -29344,7 +29344,7 @@
           <a:p>
             <a:r>
               <a:rPr lang="en-US" sz="2000" dirty="0"/>
-              <a:t>0470259183</a:t>
+              <a:t>0467587988</a:t>
             </a:r>
             <a:endParaRPr lang="en-GB" sz="2000" dirty="0"/>
           </a:p>
@@ -29473,15 +29473,25 @@
             <p:ph type="body" sz="quarter" idx="18"/>
           </p:nvPr>
         </p:nvSpPr>
-        <p:spPr/>
+        <p:spPr>
+          <a:xfrm>
+            <a:off x="4677266" y="5748378"/>
+            <a:ext cx="3695206" cy="418505"/>
+          </a:xfrm>
+        </p:spPr>
         <p:txBody>
           <a:bodyPr/>
           <a:lstStyle/>
           <a:p>
             <a:r>
               <a:rPr lang="en-GB" dirty="0"/>
-              <a:t>   will add </a:t>
+              <a:t>  </a:t>
             </a:r>
+            <a:r>
+              <a:rPr lang="en-GB" sz="1600" dirty="0" err="1"/>
+              <a:t>ShubhaChaudhary.github.ib</a:t>
+            </a:r>
+            <a:endParaRPr lang="en-GB" sz="1600" dirty="0"/>
           </a:p>
         </p:txBody>
       </p:sp>
